--- a/Instructor/CISW - Foundations Section 5.pptx
+++ b/Instructor/CISW - Foundations Section 5.pptx
@@ -8414,7 +8414,7 @@
               <a:rPr lang="en-US" smtClean="0">
                 <a:latin typeface="Segoe UI" pitchFamily="34" charset="0"/>
               </a:rPr>
-              <a:t>2/14/2017 8:00 AM</a:t>
+              <a:t>3/28/2017 4:06 PM</a:t>
             </a:fld>
             <a:endParaRPr lang="en-US" dirty="0">
               <a:latin typeface="Segoe UI" pitchFamily="34" charset="0"/>
@@ -9561,8 +9561,25 @@
             </a:r>
             <a:r>
               <a:rPr lang="en-US" dirty="0"/>
-              <a:t> </a:t>
+              <a:t> - other SDKs</a:t>
             </a:r>
+            <a:r>
+              <a:rPr lang="en-US" baseline="0" dirty="0"/>
+              <a:t> are listed for various tasks on Azure (including Azure Storage: </a:t>
+            </a:r>
+            <a:r>
+              <a:rPr lang="en-US" u="sng" baseline="0" dirty="0">
+                <a:solidFill>
+                  <a:schemeClr val="accent2"/>
+                </a:solidFill>
+              </a:rPr>
+              <a:t>https://azure.github.io/projects/sdks/</a:t>
+            </a:r>
+            <a:endParaRPr lang="en-US" u="sng" dirty="0">
+              <a:solidFill>
+                <a:schemeClr val="accent2"/>
+              </a:solidFill>
+            </a:endParaRPr>
           </a:p>
           <a:p>
             <a:endParaRPr lang="en-US" dirty="0"/>
@@ -16468,7 +16485,7 @@
           <a:p>
             <a:fld id="{93C52C2B-7042-40BF-8872-17B0983F4A66}" type="datetimeFigureOut">
               <a:rPr lang="en-US" smtClean="0"/>
-              <a:t>2/14/2017</a:t>
+              <a:t>3/28/2017</a:t>
             </a:fld>
             <a:endParaRPr lang="en-US"/>
           </a:p>
@@ -16636,7 +16653,7 @@
           <a:p>
             <a:fld id="{93C52C2B-7042-40BF-8872-17B0983F4A66}" type="datetimeFigureOut">
               <a:rPr lang="en-US" smtClean="0"/>
-              <a:t>2/14/2017</a:t>
+              <a:t>3/28/2017</a:t>
             </a:fld>
             <a:endParaRPr lang="en-US"/>
           </a:p>
@@ -16881,7 +16898,7 @@
           <a:p>
             <a:fld id="{93C52C2B-7042-40BF-8872-17B0983F4A66}" type="datetimeFigureOut">
               <a:rPr lang="en-US" smtClean="0"/>
-              <a:t>2/14/2017</a:t>
+              <a:t>3/28/2017</a:t>
             </a:fld>
             <a:endParaRPr lang="en-US"/>
           </a:p>
@@ -17110,7 +17127,7 @@
           <a:p>
             <a:fld id="{93C52C2B-7042-40BF-8872-17B0983F4A66}" type="datetimeFigureOut">
               <a:rPr lang="en-US" smtClean="0"/>
-              <a:t>2/14/2017</a:t>
+              <a:t>3/28/2017</a:t>
             </a:fld>
             <a:endParaRPr lang="en-US"/>
           </a:p>
@@ -17474,7 +17491,7 @@
           <a:p>
             <a:fld id="{93C52C2B-7042-40BF-8872-17B0983F4A66}" type="datetimeFigureOut">
               <a:rPr lang="en-US" smtClean="0"/>
-              <a:t>2/14/2017</a:t>
+              <a:t>3/28/2017</a:t>
             </a:fld>
             <a:endParaRPr lang="en-US"/>
           </a:p>
@@ -17591,7 +17608,7 @@
           <a:p>
             <a:fld id="{93C52C2B-7042-40BF-8872-17B0983F4A66}" type="datetimeFigureOut">
               <a:rPr lang="en-US" smtClean="0"/>
-              <a:t>2/14/2017</a:t>
+              <a:t>3/28/2017</a:t>
             </a:fld>
             <a:endParaRPr lang="en-US"/>
           </a:p>
@@ -17686,7 +17703,7 @@
           <a:p>
             <a:fld id="{93C52C2B-7042-40BF-8872-17B0983F4A66}" type="datetimeFigureOut">
               <a:rPr lang="en-US" smtClean="0"/>
-              <a:t>2/14/2017</a:t>
+              <a:t>3/28/2017</a:t>
             </a:fld>
             <a:endParaRPr lang="en-US"/>
           </a:p>
@@ -18079,7 +18096,7 @@
           <a:p>
             <a:fld id="{93C52C2B-7042-40BF-8872-17B0983F4A66}" type="datetimeFigureOut">
               <a:rPr lang="en-US" smtClean="0"/>
-              <a:t>2/14/2017</a:t>
+              <a:t>3/28/2017</a:t>
             </a:fld>
             <a:endParaRPr lang="en-US"/>
           </a:p>
@@ -18331,7 +18348,7 @@
           <a:p>
             <a:fld id="{93C52C2B-7042-40BF-8872-17B0983F4A66}" type="datetimeFigureOut">
               <a:rPr lang="en-US" smtClean="0"/>
-              <a:t>2/14/2017</a:t>
+              <a:t>3/28/2017</a:t>
             </a:fld>
             <a:endParaRPr lang="en-US"/>
           </a:p>
@@ -18499,7 +18516,7 @@
           <a:p>
             <a:fld id="{93C52C2B-7042-40BF-8872-17B0983F4A66}" type="datetimeFigureOut">
               <a:rPr lang="en-US" smtClean="0"/>
-              <a:t>2/14/2017</a:t>
+              <a:t>3/28/2017</a:t>
             </a:fld>
             <a:endParaRPr lang="en-US"/>
           </a:p>
@@ -18677,7 +18694,7 @@
           <a:p>
             <a:fld id="{93C52C2B-7042-40BF-8872-17B0983F4A66}" type="datetimeFigureOut">
               <a:rPr lang="en-US" smtClean="0"/>
-              <a:t>2/14/2017</a:t>
+              <a:t>3/28/2017</a:t>
             </a:fld>
             <a:endParaRPr lang="en-US"/>
           </a:p>
@@ -20418,7 +20435,7 @@
           <a:p>
             <a:fld id="{93C52C2B-7042-40BF-8872-17B0983F4A66}" type="datetimeFigureOut">
               <a:rPr lang="en-US" smtClean="0"/>
-              <a:t>2/14/2017</a:t>
+              <a:t>3/28/2017</a:t>
             </a:fld>
             <a:endParaRPr lang="en-US"/>
           </a:p>
@@ -23558,7 +23575,7 @@
           <a:graphicData uri="http://schemas.openxmlformats.org/presentationml/2006/ole">
             <mc:AlternateContent xmlns:mc="http://schemas.openxmlformats.org/markup-compatibility/2006">
               <mc:Choice xmlns:v="urn:schemas-microsoft-com:vml" Requires="v">
-                <p:oleObj spid="_x0000_s1032" name="think-cell Slide" r:id="rId17" imgW="383" imgH="384" progId="TCLayout.ActiveDocument.1">
+                <p:oleObj spid="_x0000_s1034" name="think-cell Slide" r:id="rId17" imgW="383" imgH="384" progId="TCLayout.ActiveDocument.1">
                   <p:embed/>
                 </p:oleObj>
               </mc:Choice>
@@ -24371,7 +24388,7 @@
           <a:p>
             <a:fld id="{93C52C2B-7042-40BF-8872-17B0983F4A66}" type="datetimeFigureOut">
               <a:rPr lang="en-US" smtClean="0"/>
-              <a:t>2/14/2017</a:t>
+              <a:t>3/28/2017</a:t>
             </a:fld>
             <a:endParaRPr lang="en-US"/>
           </a:p>
@@ -25429,7 +25446,7 @@
           <a:graphicData uri="http://schemas.openxmlformats.org/presentationml/2006/ole">
             <mc:AlternateContent xmlns:mc="http://schemas.openxmlformats.org/markup-compatibility/2006">
               <mc:Choice xmlns:v="urn:schemas-microsoft-com:vml" Requires="v">
-                <p:oleObj spid="_x0000_s2056" name="think-cell Slide" r:id="rId5" imgW="377" imgH="377" progId="TCLayout.ActiveDocument.1">
+                <p:oleObj spid="_x0000_s2058" name="think-cell Slide" r:id="rId5" imgW="377" imgH="377" progId="TCLayout.ActiveDocument.1">
                   <p:embed/>
                 </p:oleObj>
               </mc:Choice>
@@ -30412,7 +30429,7 @@
         </p:nvSpPr>
         <p:spPr>
           <a:xfrm>
-            <a:off x="9459682" y="1450717"/>
+            <a:off x="9472635" y="1458618"/>
             <a:ext cx="2977530" cy="2574374"/>
           </a:xfrm>
           <a:custGeom>
@@ -45024,14 +45041,14 @@
 <file path=customXml/itemProps3.xml><?xml version="1.0" encoding="utf-8"?>
 <ds:datastoreItem xmlns:ds="http://schemas.openxmlformats.org/officeDocument/2006/customXml" ds:itemID="{3E91857C-C86E-46C7-B76B-08EA2167A5BC}">
   <ds:schemaRefs>
-    <ds:schemaRef ds:uri="http://purl.org/dc/terms/"/>
-    <ds:schemaRef ds:uri="http://schemas.openxmlformats.org/package/2006/metadata/core-properties"/>
     <ds:schemaRef ds:uri="9bc6b55d-a734-43bd-8eab-fb065c703cf5"/>
-    <ds:schemaRef ds:uri="http://schemas.microsoft.com/office/2006/documentManagement/types"/>
     <ds:schemaRef ds:uri="http://schemas.microsoft.com/office/infopath/2007/PartnerControls"/>
     <ds:schemaRef ds:uri="http://purl.org/dc/elements/1.1/"/>
     <ds:schemaRef ds:uri="http://schemas.microsoft.com/office/2006/metadata/properties"/>
     <ds:schemaRef ds:uri="http://schemas.microsoft.com/sharepoint/v3"/>
+    <ds:schemaRef ds:uri="http://purl.org/dc/terms/"/>
+    <ds:schemaRef ds:uri="http://schemas.openxmlformats.org/package/2006/metadata/core-properties"/>
+    <ds:schemaRef ds:uri="http://schemas.microsoft.com/office/2006/documentManagement/types"/>
     <ds:schemaRef ds:uri="http://www.w3.org/XML/1998/namespace"/>
     <ds:schemaRef ds:uri="http://purl.org/dc/dcmitype/"/>
   </ds:schemaRefs>
